--- a/Git-exercise (day 1).pptx
+++ b/Git-exercise (day 1).pptx
@@ -104,6 +104,11 @@
       </a:defRPr>
     </a:lvl9pPr>
   </p:defaultTextStyle>
+  <p:extLst>
+    <p:ext uri="{EFAFB233-063F-42B5-8137-9DF3F51BA10A}">
+      <p15:sldGuideLst xmlns:p15="http://schemas.microsoft.com/office/powerpoint/2012/main"/>
+    </p:ext>
+  </p:extLst>
 </p:presentation>
 </file>
 
@@ -256,7 +261,7 @@
           <a:p>
             <a:fld id="{216A1879-2C0B-4564-9BCD-1CA28D751CB5}" type="datetimeFigureOut">
               <a:rPr lang="en-GB" smtClean="0"/>
-              <a:t>29/01/2024</a:t>
+              <a:t>12/02/2024</a:t>
             </a:fld>
             <a:endParaRPr lang="en-GB"/>
           </a:p>
@@ -456,7 +461,7 @@
           <a:p>
             <a:fld id="{216A1879-2C0B-4564-9BCD-1CA28D751CB5}" type="datetimeFigureOut">
               <a:rPr lang="en-GB" smtClean="0"/>
-              <a:t>29/01/2024</a:t>
+              <a:t>12/02/2024</a:t>
             </a:fld>
             <a:endParaRPr lang="en-GB"/>
           </a:p>
@@ -666,7 +671,7 @@
           <a:p>
             <a:fld id="{216A1879-2C0B-4564-9BCD-1CA28D751CB5}" type="datetimeFigureOut">
               <a:rPr lang="en-GB" smtClean="0"/>
-              <a:t>29/01/2024</a:t>
+              <a:t>12/02/2024</a:t>
             </a:fld>
             <a:endParaRPr lang="en-GB"/>
           </a:p>
@@ -866,7 +871,7 @@
           <a:p>
             <a:fld id="{216A1879-2C0B-4564-9BCD-1CA28D751CB5}" type="datetimeFigureOut">
               <a:rPr lang="en-GB" smtClean="0"/>
-              <a:t>29/01/2024</a:t>
+              <a:t>12/02/2024</a:t>
             </a:fld>
             <a:endParaRPr lang="en-GB"/>
           </a:p>
@@ -1142,7 +1147,7 @@
           <a:p>
             <a:fld id="{216A1879-2C0B-4564-9BCD-1CA28D751CB5}" type="datetimeFigureOut">
               <a:rPr lang="en-GB" smtClean="0"/>
-              <a:t>29/01/2024</a:t>
+              <a:t>12/02/2024</a:t>
             </a:fld>
             <a:endParaRPr lang="en-GB"/>
           </a:p>
@@ -1410,7 +1415,7 @@
           <a:p>
             <a:fld id="{216A1879-2C0B-4564-9BCD-1CA28D751CB5}" type="datetimeFigureOut">
               <a:rPr lang="en-GB" smtClean="0"/>
-              <a:t>29/01/2024</a:t>
+              <a:t>12/02/2024</a:t>
             </a:fld>
             <a:endParaRPr lang="en-GB"/>
           </a:p>
@@ -1825,7 +1830,7 @@
           <a:p>
             <a:fld id="{216A1879-2C0B-4564-9BCD-1CA28D751CB5}" type="datetimeFigureOut">
               <a:rPr lang="en-GB" smtClean="0"/>
-              <a:t>29/01/2024</a:t>
+              <a:t>12/02/2024</a:t>
             </a:fld>
             <a:endParaRPr lang="en-GB"/>
           </a:p>
@@ -1967,7 +1972,7 @@
           <a:p>
             <a:fld id="{216A1879-2C0B-4564-9BCD-1CA28D751CB5}" type="datetimeFigureOut">
               <a:rPr lang="en-GB" smtClean="0"/>
-              <a:t>29/01/2024</a:t>
+              <a:t>12/02/2024</a:t>
             </a:fld>
             <a:endParaRPr lang="en-GB"/>
           </a:p>
@@ -2080,7 +2085,7 @@
           <a:p>
             <a:fld id="{216A1879-2C0B-4564-9BCD-1CA28D751CB5}" type="datetimeFigureOut">
               <a:rPr lang="en-GB" smtClean="0"/>
-              <a:t>29/01/2024</a:t>
+              <a:t>12/02/2024</a:t>
             </a:fld>
             <a:endParaRPr lang="en-GB"/>
           </a:p>
@@ -2393,7 +2398,7 @@
           <a:p>
             <a:fld id="{216A1879-2C0B-4564-9BCD-1CA28D751CB5}" type="datetimeFigureOut">
               <a:rPr lang="en-GB" smtClean="0"/>
-              <a:t>29/01/2024</a:t>
+              <a:t>12/02/2024</a:t>
             </a:fld>
             <a:endParaRPr lang="en-GB"/>
           </a:p>
@@ -2682,7 +2687,7 @@
           <a:p>
             <a:fld id="{216A1879-2C0B-4564-9BCD-1CA28D751CB5}" type="datetimeFigureOut">
               <a:rPr lang="en-GB" smtClean="0"/>
-              <a:t>29/01/2024</a:t>
+              <a:t>12/02/2024</a:t>
             </a:fld>
             <a:endParaRPr lang="en-GB"/>
           </a:p>
@@ -2925,7 +2930,7 @@
           <a:p>
             <a:fld id="{216A1879-2C0B-4564-9BCD-1CA28D751CB5}" type="datetimeFigureOut">
               <a:rPr lang="en-GB" smtClean="0"/>
-              <a:t>29/01/2024</a:t>
+              <a:t>12/02/2024</a:t>
             </a:fld>
             <a:endParaRPr lang="en-GB"/>
           </a:p>
@@ -3357,7 +3362,7 @@
         <p:spPr>
           <a:xfrm>
             <a:off x="1026850" y="1690688"/>
-            <a:ext cx="10138299" cy="3724096"/>
+            <a:ext cx="10138299" cy="4001095"/>
           </a:xfrm>
           <a:prstGeom prst="rect">
             <a:avLst/>
@@ -3523,6 +3528,34 @@
               <a:buAutoNum type="arabicPeriod"/>
             </a:pPr>
             <a:r>
+              <a:rPr lang="en-US" dirty="0">
+                <a:solidFill>
+                  <a:srgbClr val="0B5394"/>
+                </a:solidFill>
+                <a:latin typeface="Arial" panose="020B0604020202020204" pitchFamily="34" charset="0"/>
+              </a:rPr>
+              <a:t>Create a folder called “raw-data”</a:t>
+            </a:r>
+            <a:endParaRPr lang="en-US" sz="1800" b="0" i="0" u="none" strike="noStrike" dirty="0">
+              <a:solidFill>
+                <a:srgbClr val="0B5394"/>
+              </a:solidFill>
+              <a:effectLst/>
+              <a:latin typeface="Arial" panose="020B0604020202020204" pitchFamily="34" charset="0"/>
+            </a:endParaRPr>
+          </a:p>
+          <a:p>
+            <a:pPr marL="400050" rtl="0" fontAlgn="base">
+              <a:spcBef>
+                <a:spcPts val="0"/>
+              </a:spcBef>
+              <a:spcAft>
+                <a:spcPts val="0"/>
+              </a:spcAft>
+              <a:buFont typeface="+mj-lt"/>
+              <a:buAutoNum type="arabicPeriod"/>
+            </a:pPr>
+            <a:r>
               <a:rPr lang="en-US" sz="1800" b="0" i="0" u="none" strike="noStrike" dirty="0">
                 <a:solidFill>
                   <a:srgbClr val="0B5394"/>
@@ -3530,7 +3563,7 @@
                 <a:effectLst/>
                 <a:latin typeface="Arial" panose="020B0604020202020204" pitchFamily="34" charset="0"/>
               </a:rPr>
-              <a:t>Revert changes to very first version of ‘research.txt’, and commit.</a:t>
+              <a:t> Ignore the raw-data folder and commit it </a:t>
             </a:r>
           </a:p>
           <a:p>
@@ -3552,7 +3585,27 @@
                 <a:effectLst/>
                 <a:latin typeface="Arial" panose="020B0604020202020204" pitchFamily="34" charset="0"/>
               </a:rPr>
-              <a:t>Check your history log – you should have 3 commits. </a:t>
+              <a:t>Check your history log – you should </a:t>
+            </a:r>
+            <a:r>
+              <a:rPr lang="en-US" sz="1800" b="0" i="0" u="none" strike="noStrike">
+                <a:solidFill>
+                  <a:srgbClr val="595959"/>
+                </a:solidFill>
+                <a:effectLst/>
+                <a:latin typeface="Arial" panose="020B0604020202020204" pitchFamily="34" charset="0"/>
+              </a:rPr>
+              <a:t>have 3 </a:t>
+            </a:r>
+            <a:r>
+              <a:rPr lang="en-US" sz="1800" b="0" i="0" u="none" strike="noStrike" dirty="0">
+                <a:solidFill>
+                  <a:srgbClr val="595959"/>
+                </a:solidFill>
+                <a:effectLst/>
+                <a:latin typeface="Arial" panose="020B0604020202020204" pitchFamily="34" charset="0"/>
+              </a:rPr>
+              <a:t>commits. </a:t>
             </a:r>
             <a:endParaRPr lang="en-US" sz="1800" b="0" i="0" u="none" strike="noStrike" dirty="0">
               <a:solidFill>
